--- a/design/Appolitics/APPolitics.com-Pitch.pptx
+++ b/design/Appolitics/APPolitics.com-Pitch.pptx
@@ -301,7 +301,7 @@
           <a:p>
             <a:fld id="{A864F7DF-DBF5-4910-A414-34AC48417B6A}" type="datetimeFigureOut">
               <a:rPr lang="en-US" smtClean="0"/>
-              <a:t>04/09/2015</a:t>
+              <a:t>05/09/2015</a:t>
             </a:fld>
             <a:endParaRPr lang="en-US"/>
           </a:p>
@@ -471,7 +471,7 @@
           <a:p>
             <a:fld id="{A864F7DF-DBF5-4910-A414-34AC48417B6A}" type="datetimeFigureOut">
               <a:rPr lang="en-US" smtClean="0"/>
-              <a:t>04/09/2015</a:t>
+              <a:t>05/09/2015</a:t>
             </a:fld>
             <a:endParaRPr lang="en-US"/>
           </a:p>
@@ -651,7 +651,7 @@
           <a:p>
             <a:fld id="{A864F7DF-DBF5-4910-A414-34AC48417B6A}" type="datetimeFigureOut">
               <a:rPr lang="en-US" smtClean="0"/>
-              <a:t>04/09/2015</a:t>
+              <a:t>05/09/2015</a:t>
             </a:fld>
             <a:endParaRPr lang="en-US"/>
           </a:p>
@@ -821,7 +821,7 @@
           <a:p>
             <a:fld id="{A864F7DF-DBF5-4910-A414-34AC48417B6A}" type="datetimeFigureOut">
               <a:rPr lang="en-US" smtClean="0"/>
-              <a:t>04/09/2015</a:t>
+              <a:t>05/09/2015</a:t>
             </a:fld>
             <a:endParaRPr lang="en-US"/>
           </a:p>
@@ -1067,7 +1067,7 @@
           <a:p>
             <a:fld id="{A864F7DF-DBF5-4910-A414-34AC48417B6A}" type="datetimeFigureOut">
               <a:rPr lang="en-US" smtClean="0"/>
-              <a:t>04/09/2015</a:t>
+              <a:t>05/09/2015</a:t>
             </a:fld>
             <a:endParaRPr lang="en-US"/>
           </a:p>
@@ -1355,7 +1355,7 @@
           <a:p>
             <a:fld id="{A864F7DF-DBF5-4910-A414-34AC48417B6A}" type="datetimeFigureOut">
               <a:rPr lang="en-US" smtClean="0"/>
-              <a:t>04/09/2015</a:t>
+              <a:t>05/09/2015</a:t>
             </a:fld>
             <a:endParaRPr lang="en-US"/>
           </a:p>
@@ -1777,7 +1777,7 @@
           <a:p>
             <a:fld id="{A864F7DF-DBF5-4910-A414-34AC48417B6A}" type="datetimeFigureOut">
               <a:rPr lang="en-US" smtClean="0"/>
-              <a:t>04/09/2015</a:t>
+              <a:t>05/09/2015</a:t>
             </a:fld>
             <a:endParaRPr lang="en-US"/>
           </a:p>
@@ -1895,7 +1895,7 @@
           <a:p>
             <a:fld id="{A864F7DF-DBF5-4910-A414-34AC48417B6A}" type="datetimeFigureOut">
               <a:rPr lang="en-US" smtClean="0"/>
-              <a:t>04/09/2015</a:t>
+              <a:t>05/09/2015</a:t>
             </a:fld>
             <a:endParaRPr lang="en-US"/>
           </a:p>
@@ -1990,7 +1990,7 @@
           <a:p>
             <a:fld id="{A864F7DF-DBF5-4910-A414-34AC48417B6A}" type="datetimeFigureOut">
               <a:rPr lang="en-US" smtClean="0"/>
-              <a:t>04/09/2015</a:t>
+              <a:t>05/09/2015</a:t>
             </a:fld>
             <a:endParaRPr lang="en-US"/>
           </a:p>
@@ -2267,7 +2267,7 @@
           <a:p>
             <a:fld id="{A864F7DF-DBF5-4910-A414-34AC48417B6A}" type="datetimeFigureOut">
               <a:rPr lang="en-US" smtClean="0"/>
-              <a:t>04/09/2015</a:t>
+              <a:t>05/09/2015</a:t>
             </a:fld>
             <a:endParaRPr lang="en-US"/>
           </a:p>
@@ -2520,7 +2520,7 @@
           <a:p>
             <a:fld id="{A864F7DF-DBF5-4910-A414-34AC48417B6A}" type="datetimeFigureOut">
               <a:rPr lang="en-US" smtClean="0"/>
-              <a:t>04/09/2015</a:t>
+              <a:t>05/09/2015</a:t>
             </a:fld>
             <a:endParaRPr lang="en-US"/>
           </a:p>
@@ -2733,7 +2733,7 @@
           <a:p>
             <a:fld id="{A864F7DF-DBF5-4910-A414-34AC48417B6A}" type="datetimeFigureOut">
               <a:rPr lang="en-US" smtClean="0"/>
-              <a:t>04/09/2015</a:t>
+              <a:t>05/09/2015</a:t>
             </a:fld>
             <a:endParaRPr lang="en-US"/>
           </a:p>
@@ -3782,7 +3782,9 @@
         </p:nvSpPr>
         <p:spPr/>
         <p:txBody>
-          <a:bodyPr/>
+          <a:bodyPr>
+            <a:normAutofit fontScale="92500" lnSpcReduction="20000"/>
+          </a:bodyPr>
           <a:lstStyle/>
           <a:p>
             <a:pPr marL="0" indent="0">
@@ -3797,20 +3799,22 @@
               <a:t>Money:</a:t>
             </a:r>
             <a:r>
-              <a:rPr lang="en-US" dirty="0" smtClean="0"/>
+              <a:rPr lang="en-US" dirty="0" smtClean="0">
+                <a:latin typeface="Arial Rounded MT Bold" panose="020F0704030504030204" pitchFamily="34" charset="0"/>
+              </a:rPr>
               <a:t> </a:t>
             </a:r>
             <a:r>
-              <a:rPr lang="en-US" sz="2400" dirty="0">
-                <a:latin typeface="Arial Unicode MS" panose="020B0604020202020204" pitchFamily="34" charset="-128"/>
+              <a:rPr lang="en-US" dirty="0">
+                <a:latin typeface="Arial Rounded MT Bold" panose="020F0704030504030204" pitchFamily="34" charset="0"/>
                 <a:ea typeface="Arial Unicode MS" panose="020B0604020202020204" pitchFamily="34" charset="-128"/>
                 <a:cs typeface="Arial Unicode MS" panose="020B0604020202020204" pitchFamily="34" charset="-128"/>
               </a:rPr>
               <a:t>Each candidate need to invest large amount of the campaign budgets for creating the campaign web site</a:t>
             </a:r>
             <a:r>
-              <a:rPr lang="en-US" sz="2800" dirty="0" smtClean="0">
-                <a:latin typeface="Arial Unicode MS" panose="020B0604020202020204" pitchFamily="34" charset="-128"/>
+              <a:rPr lang="en-US" dirty="0" smtClean="0">
+                <a:latin typeface="Arial Rounded MT Bold" panose="020F0704030504030204" pitchFamily="34" charset="0"/>
                 <a:ea typeface="Arial Unicode MS" panose="020B0604020202020204" pitchFamily="34" charset="-128"/>
                 <a:cs typeface="Arial Unicode MS" panose="020B0604020202020204" pitchFamily="34" charset="-128"/>
               </a:rPr>
@@ -3821,7 +3825,9 @@
             <a:pPr marL="0" indent="0">
               <a:buNone/>
             </a:pPr>
-            <a:endParaRPr lang="en-US" dirty="0" smtClean="0"/>
+            <a:endParaRPr lang="en-US" dirty="0" smtClean="0">
+              <a:latin typeface="Arial Rounded MT Bold" panose="020F0704030504030204" pitchFamily="34" charset="0"/>
+            </a:endParaRPr>
           </a:p>
           <a:p>
             <a:pPr marL="0" indent="0">
@@ -3844,8 +3850,8 @@
               <a:t>: </a:t>
             </a:r>
             <a:r>
-              <a:rPr lang="en-US" sz="2400" dirty="0" smtClean="0">
-                <a:latin typeface="Arial Unicode MS" panose="020B0604020202020204" pitchFamily="34" charset="-128"/>
+              <a:rPr lang="en-US" dirty="0" smtClean="0">
+                <a:latin typeface="Arial Rounded MT Bold" panose="020F0704030504030204" pitchFamily="34" charset="0"/>
                 <a:ea typeface="Arial Unicode MS" panose="020B0604020202020204" pitchFamily="34" charset="-128"/>
                 <a:cs typeface="Arial Unicode MS" panose="020B0604020202020204" pitchFamily="34" charset="-128"/>
               </a:rPr>
@@ -3861,7 +3867,9 @@
             <a:pPr marL="0" indent="0">
               <a:buNone/>
             </a:pPr>
-            <a:endParaRPr lang="en-US" dirty="0"/>
+            <a:endParaRPr lang="en-US" dirty="0">
+              <a:latin typeface="Arial Rounded MT Bold" panose="020F0704030504030204" pitchFamily="34" charset="0"/>
+            </a:endParaRPr>
           </a:p>
           <a:p>
             <a:pPr marL="0" indent="0">
@@ -3884,31 +3892,31 @@
               <a:t>: </a:t>
             </a:r>
             <a:r>
-              <a:rPr lang="en-US" sz="2400" dirty="0">
-                <a:latin typeface="Arial Unicode MS" panose="020B0604020202020204" pitchFamily="34" charset="-128"/>
+              <a:rPr lang="en-US" dirty="0">
+                <a:latin typeface="Arial Rounded MT Bold" panose="020F0704030504030204" pitchFamily="34" charset="0"/>
                 <a:ea typeface="Arial Unicode MS" panose="020B0604020202020204" pitchFamily="34" charset="-128"/>
                 <a:cs typeface="Arial Unicode MS" panose="020B0604020202020204" pitchFamily="34" charset="-128"/>
               </a:rPr>
               <a:t>How to </a:t>
             </a:r>
             <a:r>
-              <a:rPr lang="en-US" sz="2400" dirty="0" smtClean="0">
-                <a:latin typeface="Arial Unicode MS" panose="020B0604020202020204" pitchFamily="34" charset="-128"/>
+              <a:rPr lang="en-US" dirty="0" smtClean="0">
+                <a:latin typeface="Arial Rounded MT Bold" panose="020F0704030504030204" pitchFamily="34" charset="0"/>
                 <a:ea typeface="Arial Unicode MS" panose="020B0604020202020204" pitchFamily="34" charset="-128"/>
                 <a:cs typeface="Arial Unicode MS" panose="020B0604020202020204" pitchFamily="34" charset="-128"/>
               </a:rPr>
-              <a:t>bring traffic to my site, and keep them to read my </a:t>
-            </a:r>
-            <a:r>
-              <a:rPr lang="en-US" sz="2400" smtClean="0">
-                <a:latin typeface="Arial Unicode MS" panose="020B0604020202020204" pitchFamily="34" charset="-128"/>
+              <a:t>bring traffic to my site, and keep them to read my campaign martials</a:t>
+            </a:r>
+            <a:r>
+              <a:rPr lang="en-US" sz="2400" dirty="0" smtClean="0">
+                <a:latin typeface="Arial Rounded MT Bold" panose="020F0704030504030204" pitchFamily="34" charset="0"/>
                 <a:ea typeface="Arial Unicode MS" panose="020B0604020202020204" pitchFamily="34" charset="-128"/>
                 <a:cs typeface="Arial Unicode MS" panose="020B0604020202020204" pitchFamily="34" charset="-128"/>
               </a:rPr>
-              <a:t>campaign martials. </a:t>
+              <a:t>. </a:t>
             </a:r>
             <a:endParaRPr lang="en-US" sz="2400" dirty="0">
-              <a:latin typeface="Arial Unicode MS" panose="020B0604020202020204" pitchFamily="34" charset="-128"/>
+              <a:latin typeface="Arial Rounded MT Bold" panose="020F0704030504030204" pitchFamily="34" charset="0"/>
               <a:ea typeface="Arial Unicode MS" panose="020B0604020202020204" pitchFamily="34" charset="-128"/>
               <a:cs typeface="Arial Unicode MS" panose="020B0604020202020204" pitchFamily="34" charset="-128"/>
             </a:endParaRPr>
@@ -4037,10 +4045,68 @@
               <a:t>latform </a:t>
             </a:r>
             <a:r>
-              <a:rPr lang="en-US" dirty="0" smtClean="0"/>
-              <a:t>where any candidate in the democratic world can lunch his campaign web site and more… it’s free it’s social and it’s come with users.</a:t>
-            </a:r>
-            <a:endParaRPr lang="en-US" dirty="0"/>
+              <a:rPr lang="en-US" dirty="0" smtClean="0">
+                <a:latin typeface="Arial Rounded MT Bold" panose="020F0704030504030204" pitchFamily="34" charset="0"/>
+              </a:rPr>
+              <a:t>where any candidate in the democratic world can lunch his campaign web site and more</a:t>
+            </a:r>
+            <a:r>
+              <a:rPr lang="en-US" dirty="0" smtClean="0">
+                <a:latin typeface="Arial Rounded MT Bold" panose="020F0704030504030204" pitchFamily="34" charset="0"/>
+              </a:rPr>
+              <a:t>…</a:t>
+            </a:r>
+          </a:p>
+          <a:p>
+            <a:r>
+              <a:rPr lang="en-US" dirty="0" smtClean="0">
+                <a:latin typeface="Arial Rounded MT Bold" panose="020F0704030504030204" pitchFamily="34" charset="0"/>
+              </a:rPr>
+              <a:t>it’s </a:t>
+            </a:r>
+            <a:r>
+              <a:rPr lang="en-US" dirty="0" smtClean="0">
+                <a:latin typeface="Arial Rounded MT Bold" panose="020F0704030504030204" pitchFamily="34" charset="0"/>
+              </a:rPr>
+              <a:t>free </a:t>
+            </a:r>
+            <a:endParaRPr lang="en-US" dirty="0" smtClean="0">
+              <a:latin typeface="Arial Rounded MT Bold" panose="020F0704030504030204" pitchFamily="34" charset="0"/>
+            </a:endParaRPr>
+          </a:p>
+          <a:p>
+            <a:r>
+              <a:rPr lang="en-US" dirty="0" smtClean="0">
+                <a:latin typeface="Arial Rounded MT Bold" panose="020F0704030504030204" pitchFamily="34" charset="0"/>
+              </a:rPr>
+              <a:t>it’s </a:t>
+            </a:r>
+            <a:r>
+              <a:rPr lang="en-US" dirty="0" smtClean="0">
+                <a:latin typeface="Arial Rounded MT Bold" panose="020F0704030504030204" pitchFamily="34" charset="0"/>
+              </a:rPr>
+              <a:t>social </a:t>
+            </a:r>
+            <a:endParaRPr lang="en-US" dirty="0" smtClean="0">
+              <a:latin typeface="Arial Rounded MT Bold" panose="020F0704030504030204" pitchFamily="34" charset="0"/>
+            </a:endParaRPr>
+          </a:p>
+          <a:p>
+            <a:r>
+              <a:rPr lang="en-US" dirty="0" smtClean="0">
+                <a:latin typeface="Arial Rounded MT Bold" panose="020F0704030504030204" pitchFamily="34" charset="0"/>
+              </a:rPr>
+              <a:t>and </a:t>
+            </a:r>
+            <a:r>
+              <a:rPr lang="en-US" dirty="0" smtClean="0">
+                <a:latin typeface="Arial Rounded MT Bold" panose="020F0704030504030204" pitchFamily="34" charset="0"/>
+              </a:rPr>
+              <a:t>it’s come with users.</a:t>
+            </a:r>
+            <a:endParaRPr lang="en-US" dirty="0">
+              <a:latin typeface="Arial Rounded MT Bold" panose="020F0704030504030204" pitchFamily="34" charset="0"/>
+            </a:endParaRPr>
           </a:p>
         </p:txBody>
       </p:sp>
@@ -4425,9 +4491,18 @@
             <a:pPr algn="l"/>
             <a:r>
               <a:rPr lang="en-US" dirty="0" smtClean="0">
-                <a:latin typeface="Arial Rounded MT Bold" panose="020F0704030504030204" pitchFamily="34" charset="0"/>
-              </a:rPr>
-              <a:t>Product</a:t>
+                <a:solidFill>
+                  <a:srgbClr val="FF0000"/>
+                </a:solidFill>
+                <a:latin typeface="Arial Rounded MT Bold" panose="020F0704030504030204" pitchFamily="34" charset="0"/>
+              </a:rPr>
+              <a:t>P</a:t>
+            </a:r>
+            <a:r>
+              <a:rPr lang="en-US" dirty="0" smtClean="0">
+                <a:latin typeface="Arial Rounded MT Bold" panose="020F0704030504030204" pitchFamily="34" charset="0"/>
+              </a:rPr>
+              <a:t>roduct</a:t>
             </a:r>
             <a:endParaRPr lang="en-US" dirty="0">
               <a:latin typeface="Arial Rounded MT Bold" panose="020F0704030504030204" pitchFamily="34" charset="0"/>
